--- a/assets/Система AB тестування.pptx
+++ b/assets/Система AB тестування.pptx
@@ -15,8 +15,8 @@
     <p:sldId id="262" r:id="rId4"/>
     <p:sldId id="277" r:id="rId5"/>
     <p:sldId id="271" r:id="rId6"/>
-    <p:sldId id="283" r:id="rId7"/>
-    <p:sldId id="281" r:id="rId8"/>
+    <p:sldId id="281" r:id="rId7"/>
+    <p:sldId id="283" r:id="rId8"/>
     <p:sldId id="288" r:id="rId9"/>
     <p:sldId id="279" r:id="rId10"/>
     <p:sldId id="285" r:id="rId11"/>
@@ -123,7 +123,7 @@
   </p:defaultTextStyle>
   <p:extLst>
     <p:ext uri="{521415D9-36F7-43E2-AB2F-B90AF26B5E84}">
-      <p14:sectionLst xmlns:p14="http://schemas.microsoft.com/office/powerpoint/2010/main" xmlns="">
+      <p14:sectionLst xmlns="" xmlns:p14="http://schemas.microsoft.com/office/powerpoint/2010/main">
         <p14:section name="Добро пожаловать!" id="{E75E278A-FF0E-49A4-B170-79828D63BBAD}">
           <p14:sldIdLst>
             <p14:sldId id="256"/>
@@ -150,7 +150,7 @@
       </p14:sectionLst>
     </p:ext>
     <p:ext uri="{EFAFB233-063F-42B5-8137-9DF3F51BA10A}">
-      <p15:sldGuideLst xmlns:p15="http://schemas.microsoft.com/office/powerpoint/2012/main" xmlns="">
+      <p15:sldGuideLst xmlns="" xmlns:p15="http://schemas.microsoft.com/office/powerpoint/2012/main">
         <p15:guide id="1" orient="horz" pos="2160" userDrawn="1">
           <p15:clr>
             <a:srgbClr val="A4A3A4"/>
@@ -164,7 +164,7 @@
       </p15:sldGuideLst>
     </p:ext>
     <p:ext uri="{2D200454-40CA-4A62-9FC3-DE9A4176ACB9}">
-      <p15:notesGuideLst xmlns:p15="http://schemas.microsoft.com/office/powerpoint/2012/main" xmlns=""/>
+      <p15:notesGuideLst xmlns="" xmlns:p15="http://schemas.microsoft.com/office/powerpoint/2012/main"/>
     </p:ext>
   </p:extLst>
 </p:presentation>
@@ -259,7 +259,7 @@
             <a:fld id="{4A48B867-C0E9-4677-A1E6-26A91062B287}" type="datetimeFigureOut">
               <a:rPr lang="ru-RU" smtClean="0"/>
               <a:pPr/>
-              <a:t>06.12.2017</a:t>
+              <a:t>11.12.2017</a:t>
             </a:fld>
             <a:endParaRPr lang="ru-RU" dirty="0"/>
           </a:p>
@@ -335,7 +335,7 @@
     </p:spTree>
     <p:extLst>
       <p:ext uri="{BB962C8B-B14F-4D97-AF65-F5344CB8AC3E}">
-        <p14:creationId xmlns:p14="http://schemas.microsoft.com/office/powerpoint/2010/main" xmlns="" val="2588760190"/>
+        <p14:creationId xmlns="" xmlns:p14="http://schemas.microsoft.com/office/powerpoint/2010/main" val="2588760190"/>
       </p:ext>
     </p:extLst>
   </p:cSld>
@@ -426,7 +426,7 @@
             <a:fld id="{EC13577B-6902-467D-A26C-08A0DD5E4E03}" type="datetimeFigureOut">
               <a:rPr lang="ru-RU" smtClean="0"/>
               <a:pPr/>
-              <a:t>06.12.2017</a:t>
+              <a:t>11.12.2017</a:t>
             </a:fld>
             <a:endParaRPr lang="ru-RU" dirty="0"/>
           </a:p>
@@ -594,7 +594,7 @@
     </p:spTree>
     <p:extLst>
       <p:ext uri="{BB962C8B-B14F-4D97-AF65-F5344CB8AC3E}">
-        <p14:creationId xmlns:p14="http://schemas.microsoft.com/office/powerpoint/2010/main" xmlns="" val="3381910297"/>
+        <p14:creationId xmlns="" xmlns:p14="http://schemas.microsoft.com/office/powerpoint/2010/main" val="3381910297"/>
       </p:ext>
     </p:extLst>
   </p:cSld>
@@ -787,7 +787,7 @@
     </p:spTree>
     <p:extLst>
       <p:ext uri="{BB962C8B-B14F-4D97-AF65-F5344CB8AC3E}">
-        <p14:creationId xmlns:p14="http://schemas.microsoft.com/office/powerpoint/2010/main" xmlns="" val="1011769815"/>
+        <p14:creationId xmlns="" xmlns:p14="http://schemas.microsoft.com/office/powerpoint/2010/main" val="1011769815"/>
       </p:ext>
     </p:extLst>
   </p:cSld>
@@ -927,7 +927,7 @@
             <a:fld id="{8BEEBAAA-29B5-4AF5-BC5F-7E580C29002D}" type="datetimeFigureOut">
               <a:rPr lang="ru-RU" smtClean="0"/>
               <a:pPr/>
-              <a:t>06.12.2017</a:t>
+              <a:t>11.12.2017</a:t>
             </a:fld>
             <a:endParaRPr lang="ru-RU" dirty="0"/>
           </a:p>
@@ -1025,7 +1025,7 @@
     </p:spTree>
     <p:extLst>
       <p:ext uri="{BB962C8B-B14F-4D97-AF65-F5344CB8AC3E}">
-        <p14:creationId xmlns:p14="http://schemas.microsoft.com/office/powerpoint/2010/main" xmlns="" val="388772796"/>
+        <p14:creationId xmlns="" xmlns:p14="http://schemas.microsoft.com/office/powerpoint/2010/main" val="388772796"/>
       </p:ext>
     </p:extLst>
   </p:cSld>
@@ -1143,7 +1143,7 @@
             <a:fld id="{8BEEBAAA-29B5-4AF5-BC5F-7E580C29002D}" type="datetimeFigureOut">
               <a:rPr lang="ru-RU" smtClean="0"/>
               <a:pPr/>
-              <a:t>06.12.2017</a:t>
+              <a:t>11.12.2017</a:t>
             </a:fld>
             <a:endParaRPr lang="ru-RU" dirty="0"/>
           </a:p>
@@ -1241,7 +1241,7 @@
     </p:spTree>
     <p:extLst>
       <p:ext uri="{BB962C8B-B14F-4D97-AF65-F5344CB8AC3E}">
-        <p14:creationId xmlns:p14="http://schemas.microsoft.com/office/powerpoint/2010/main" xmlns="" val="2323281805"/>
+        <p14:creationId xmlns="" xmlns:p14="http://schemas.microsoft.com/office/powerpoint/2010/main" val="2323281805"/>
       </p:ext>
     </p:extLst>
   </p:cSld>
@@ -1369,7 +1369,7 @@
             <a:fld id="{8BEEBAAA-29B5-4AF5-BC5F-7E580C29002D}" type="datetimeFigureOut">
               <a:rPr lang="ru-RU" smtClean="0"/>
               <a:pPr/>
-              <a:t>06.12.2017</a:t>
+              <a:t>11.12.2017</a:t>
             </a:fld>
             <a:endParaRPr lang="ru-RU" dirty="0"/>
           </a:p>
@@ -1467,7 +1467,7 @@
     </p:spTree>
     <p:extLst>
       <p:ext uri="{BB962C8B-B14F-4D97-AF65-F5344CB8AC3E}">
-        <p14:creationId xmlns:p14="http://schemas.microsoft.com/office/powerpoint/2010/main" xmlns="" val="1762298306"/>
+        <p14:creationId xmlns="" xmlns:p14="http://schemas.microsoft.com/office/powerpoint/2010/main" val="1762298306"/>
       </p:ext>
     </p:extLst>
   </p:cSld>
@@ -1585,7 +1585,7 @@
             <a:fld id="{8BEEBAAA-29B5-4AF5-BC5F-7E580C29002D}" type="datetimeFigureOut">
               <a:rPr lang="ru-RU" smtClean="0"/>
               <a:pPr/>
-              <a:t>06.12.2017</a:t>
+              <a:t>11.12.2017</a:t>
             </a:fld>
             <a:endParaRPr lang="ru-RU" dirty="0"/>
           </a:p>
@@ -1683,7 +1683,7 @@
     </p:spTree>
     <p:extLst>
       <p:ext uri="{BB962C8B-B14F-4D97-AF65-F5344CB8AC3E}">
-        <p14:creationId xmlns:p14="http://schemas.microsoft.com/office/powerpoint/2010/main" xmlns="" val="1419191672"/>
+        <p14:creationId xmlns="" xmlns:p14="http://schemas.microsoft.com/office/powerpoint/2010/main" val="1419191672"/>
       </p:ext>
     </p:extLst>
   </p:cSld>
@@ -1878,7 +1878,7 @@
             <a:fld id="{8BEEBAAA-29B5-4AF5-BC5F-7E580C29002D}" type="datetimeFigureOut">
               <a:rPr lang="ru-RU" smtClean="0"/>
               <a:pPr/>
-              <a:t>06.12.2017</a:t>
+              <a:t>11.12.2017</a:t>
             </a:fld>
             <a:endParaRPr lang="ru-RU" dirty="0"/>
           </a:p>
@@ -1976,7 +1976,7 @@
     </p:spTree>
     <p:extLst>
       <p:ext uri="{BB962C8B-B14F-4D97-AF65-F5344CB8AC3E}">
-        <p14:creationId xmlns:p14="http://schemas.microsoft.com/office/powerpoint/2010/main" xmlns="" val="826578174"/>
+        <p14:creationId xmlns="" xmlns:p14="http://schemas.microsoft.com/office/powerpoint/2010/main" val="826578174"/>
       </p:ext>
     </p:extLst>
   </p:cSld>
@@ -2155,7 +2155,7 @@
             <a:fld id="{8BEEBAAA-29B5-4AF5-BC5F-7E580C29002D}" type="datetimeFigureOut">
               <a:rPr lang="ru-RU" smtClean="0"/>
               <a:pPr/>
-              <a:t>06.12.2017</a:t>
+              <a:t>11.12.2017</a:t>
             </a:fld>
             <a:endParaRPr lang="ru-RU" dirty="0"/>
           </a:p>
@@ -2253,7 +2253,7 @@
     </p:spTree>
     <p:extLst>
       <p:ext uri="{BB962C8B-B14F-4D97-AF65-F5344CB8AC3E}">
-        <p14:creationId xmlns:p14="http://schemas.microsoft.com/office/powerpoint/2010/main" xmlns="" val="708682369"/>
+        <p14:creationId xmlns="" xmlns:p14="http://schemas.microsoft.com/office/powerpoint/2010/main" val="708682369"/>
       </p:ext>
     </p:extLst>
   </p:cSld>
@@ -2567,7 +2567,7 @@
             <a:fld id="{8BEEBAAA-29B5-4AF5-BC5F-7E580C29002D}" type="datetimeFigureOut">
               <a:rPr lang="ru-RU" smtClean="0"/>
               <a:pPr/>
-              <a:t>06.12.2017</a:t>
+              <a:t>11.12.2017</a:t>
             </a:fld>
             <a:endParaRPr lang="ru-RU" dirty="0"/>
           </a:p>
@@ -2665,7 +2665,7 @@
     </p:spTree>
     <p:extLst>
       <p:ext uri="{BB962C8B-B14F-4D97-AF65-F5344CB8AC3E}">
-        <p14:creationId xmlns:p14="http://schemas.microsoft.com/office/powerpoint/2010/main" xmlns="" val="1054969621"/>
+        <p14:creationId xmlns="" xmlns:p14="http://schemas.microsoft.com/office/powerpoint/2010/main" val="1054969621"/>
       </p:ext>
     </p:extLst>
   </p:cSld>
@@ -2732,7 +2732,7 @@
             <a:fld id="{8BEEBAAA-29B5-4AF5-BC5F-7E580C29002D}" type="datetimeFigureOut">
               <a:rPr lang="ru-RU" smtClean="0"/>
               <a:pPr/>
-              <a:t>06.12.2017</a:t>
+              <a:t>11.12.2017</a:t>
             </a:fld>
             <a:endParaRPr lang="ru-RU" dirty="0"/>
           </a:p>
@@ -2830,7 +2830,7 @@
     </p:spTree>
     <p:extLst>
       <p:ext uri="{BB962C8B-B14F-4D97-AF65-F5344CB8AC3E}">
-        <p14:creationId xmlns:p14="http://schemas.microsoft.com/office/powerpoint/2010/main" xmlns="" val="1001349013"/>
+        <p14:creationId xmlns="" xmlns:p14="http://schemas.microsoft.com/office/powerpoint/2010/main" val="1001349013"/>
       </p:ext>
     </p:extLst>
   </p:cSld>
@@ -2875,7 +2875,7 @@
             <a:fld id="{8BEEBAAA-29B5-4AF5-BC5F-7E580C29002D}" type="datetimeFigureOut">
               <a:rPr lang="ru-RU" smtClean="0"/>
               <a:pPr/>
-              <a:t>06.12.2017</a:t>
+              <a:t>11.12.2017</a:t>
             </a:fld>
             <a:endParaRPr lang="ru-RU" dirty="0"/>
           </a:p>
@@ -2927,7 +2927,7 @@
     </p:spTree>
     <p:extLst>
       <p:ext uri="{BB962C8B-B14F-4D97-AF65-F5344CB8AC3E}">
-        <p14:creationId xmlns:p14="http://schemas.microsoft.com/office/powerpoint/2010/main" xmlns="" val="1995261504"/>
+        <p14:creationId xmlns="" xmlns:p14="http://schemas.microsoft.com/office/powerpoint/2010/main" val="1995261504"/>
       </p:ext>
     </p:extLst>
   </p:cSld>
@@ -3152,7 +3152,7 @@
             <a:fld id="{8BEEBAAA-29B5-4AF5-BC5F-7E580C29002D}" type="datetimeFigureOut">
               <a:rPr lang="ru-RU" smtClean="0"/>
               <a:pPr/>
-              <a:t>06.12.2017</a:t>
+              <a:t>11.12.2017</a:t>
             </a:fld>
             <a:endParaRPr lang="ru-RU" dirty="0"/>
           </a:p>
@@ -3204,7 +3204,7 @@
     </p:spTree>
     <p:extLst>
       <p:ext uri="{BB962C8B-B14F-4D97-AF65-F5344CB8AC3E}">
-        <p14:creationId xmlns:p14="http://schemas.microsoft.com/office/powerpoint/2010/main" xmlns="" val="3090150606"/>
+        <p14:creationId xmlns="" xmlns:p14="http://schemas.microsoft.com/office/powerpoint/2010/main" val="3090150606"/>
       </p:ext>
     </p:extLst>
   </p:cSld>
@@ -3406,7 +3406,7 @@
             <a:fld id="{8BEEBAAA-29B5-4AF5-BC5F-7E580C29002D}" type="datetimeFigureOut">
               <a:rPr lang="ru-RU" smtClean="0"/>
               <a:pPr/>
-              <a:t>06.12.2017</a:t>
+              <a:t>11.12.2017</a:t>
             </a:fld>
             <a:endParaRPr lang="ru-RU" dirty="0"/>
           </a:p>
@@ -3458,7 +3458,7 @@
     </p:spTree>
     <p:extLst>
       <p:ext uri="{BB962C8B-B14F-4D97-AF65-F5344CB8AC3E}">
-        <p14:creationId xmlns:p14="http://schemas.microsoft.com/office/powerpoint/2010/main" xmlns="" val="1094681039"/>
+        <p14:creationId xmlns="" xmlns:p14="http://schemas.microsoft.com/office/powerpoint/2010/main" val="1094681039"/>
       </p:ext>
     </p:extLst>
   </p:cSld>
@@ -3619,7 +3619,7 @@
             <a:fld id="{8BEEBAAA-29B5-4AF5-BC5F-7E580C29002D}" type="datetimeFigureOut">
               <a:rPr lang="ru-RU" smtClean="0"/>
               <a:pPr/>
-              <a:t>06.12.2017</a:t>
+              <a:t>11.12.2017</a:t>
             </a:fld>
             <a:endParaRPr lang="ru-RU" dirty="0"/>
           </a:p>
@@ -3707,7 +3707,7 @@
     </p:spTree>
     <p:extLst>
       <p:ext uri="{BB962C8B-B14F-4D97-AF65-F5344CB8AC3E}">
-        <p14:creationId xmlns:p14="http://schemas.microsoft.com/office/powerpoint/2010/main" xmlns="" val="2113765195"/>
+        <p14:creationId xmlns="" xmlns:p14="http://schemas.microsoft.com/office/powerpoint/2010/main" val="2113765195"/>
       </p:ext>
     </p:extLst>
   </p:cSld>
@@ -4198,7 +4198,7 @@
     </p:spTree>
     <p:extLst>
       <p:ext uri="{BB962C8B-B14F-4D97-AF65-F5344CB8AC3E}">
-        <p14:creationId xmlns:p14="http://schemas.microsoft.com/office/powerpoint/2010/main" xmlns="" val="2471807738"/>
+        <p14:creationId xmlns="" xmlns:p14="http://schemas.microsoft.com/office/powerpoint/2010/main" val="2471807738"/>
       </p:ext>
     </p:extLst>
   </p:cSld>
@@ -4661,7 +4661,7 @@
     </p:spTree>
     <p:extLst>
       <p:ext uri="{BB962C8B-B14F-4D97-AF65-F5344CB8AC3E}">
-        <p14:creationId xmlns:p14="http://schemas.microsoft.com/office/powerpoint/2010/main" xmlns="" val="1278517873"/>
+        <p14:creationId xmlns="" xmlns:p14="http://schemas.microsoft.com/office/powerpoint/2010/main" val="1278517873"/>
       </p:ext>
     </p:extLst>
   </p:cSld>
@@ -4726,7 +4726,7 @@
     </p:spTree>
     <p:extLst>
       <p:ext uri="{BB962C8B-B14F-4D97-AF65-F5344CB8AC3E}">
-        <p14:creationId xmlns:p14="http://schemas.microsoft.com/office/powerpoint/2010/main" xmlns="" val="498439014"/>
+        <p14:creationId xmlns="" xmlns:p14="http://schemas.microsoft.com/office/powerpoint/2010/main" val="498439014"/>
       </p:ext>
     </p:extLst>
   </p:cSld>
@@ -5104,7 +5104,7 @@
     </p:spTree>
     <p:extLst>
       <p:ext uri="{BB962C8B-B14F-4D97-AF65-F5344CB8AC3E}">
-        <p14:creationId xmlns:p14="http://schemas.microsoft.com/office/powerpoint/2010/main" xmlns="" val="2090733893"/>
+        <p14:creationId xmlns="" xmlns:p14="http://schemas.microsoft.com/office/powerpoint/2010/main" val="2090733893"/>
       </p:ext>
     </p:extLst>
   </p:cSld>
@@ -5343,7 +5343,7 @@
     </p:spTree>
     <p:extLst>
       <p:ext uri="{BB962C8B-B14F-4D97-AF65-F5344CB8AC3E}">
-        <p14:creationId xmlns:p14="http://schemas.microsoft.com/office/powerpoint/2010/main" xmlns="" val="1499431874"/>
+        <p14:creationId xmlns="" xmlns:p14="http://schemas.microsoft.com/office/powerpoint/2010/main" val="1499431874"/>
       </p:ext>
     </p:extLst>
   </p:cSld>
@@ -5449,7 +5449,7 @@
           <a:blip r:embed="rId2" cstate="print">
             <a:extLst>
               <a:ext uri="{28A0092B-C50C-407E-A947-70E740481C1C}">
-                <a14:useLocalDpi xmlns:a14="http://schemas.microsoft.com/office/drawing/2010/main" xmlns="" val="0"/>
+                <a14:useLocalDpi xmlns="" xmlns:a14="http://schemas.microsoft.com/office/drawing/2010/main" val="0"/>
               </a:ext>
             </a:extLst>
           </a:blip>
@@ -5476,7 +5476,7 @@
           <p:nvPr>
             <p:extLst>
               <p:ext uri="{D42A27DB-BD31-4B8C-83A1-F6EECF244321}">
-                <p14:modId xmlns:p14="http://schemas.microsoft.com/office/powerpoint/2010/main" xmlns="" val="2171312508"/>
+                <p14:modId xmlns="" xmlns:p14="http://schemas.microsoft.com/office/powerpoint/2010/main" val="2171312508"/>
               </p:ext>
             </p:extLst>
           </p:nvPr>
@@ -5495,14 +5495,14 @@
                 <a:gridCol w="5664247">
                   <a:extLst>
                     <a:ext uri="{9D8B030D-6E8A-4147-A177-3AD203B41FA5}">
-                      <a16:colId xmlns:a16="http://schemas.microsoft.com/office/drawing/2014/main" xmlns="" val="20000"/>
+                      <a16:colId xmlns="" xmlns:a16="http://schemas.microsoft.com/office/drawing/2014/main" val="20000"/>
                     </a:ext>
                   </a:extLst>
                 </a:gridCol>
                 <a:gridCol w="5664247">
                   <a:extLst>
                     <a:ext uri="{9D8B030D-6E8A-4147-A177-3AD203B41FA5}">
-                      <a16:colId xmlns:a16="http://schemas.microsoft.com/office/drawing/2014/main" xmlns="" val="20001"/>
+                      <a16:colId xmlns="" xmlns:a16="http://schemas.microsoft.com/office/drawing/2014/main" val="20001"/>
                     </a:ext>
                   </a:extLst>
                 </a:gridCol>
@@ -5634,7 +5634,7 @@
                 </a:tc>
                 <a:extLst>
                   <a:ext uri="{0D108BD9-81ED-4DB2-BD59-A6C34878D82A}">
-                    <a16:rowId xmlns:a16="http://schemas.microsoft.com/office/drawing/2014/main" xmlns="" val="10000"/>
+                    <a16:rowId xmlns="" xmlns:a16="http://schemas.microsoft.com/office/drawing/2014/main" val="10000"/>
                   </a:ext>
                 </a:extLst>
               </a:tr>
@@ -5765,7 +5765,7 @@
                 </a:tc>
                 <a:extLst>
                   <a:ext uri="{0D108BD9-81ED-4DB2-BD59-A6C34878D82A}">
-                    <a16:rowId xmlns:a16="http://schemas.microsoft.com/office/drawing/2014/main" xmlns="" val="10001"/>
+                    <a16:rowId xmlns="" xmlns:a16="http://schemas.microsoft.com/office/drawing/2014/main" val="10001"/>
                   </a:ext>
                 </a:extLst>
               </a:tr>
@@ -5901,7 +5901,7 @@
                 </a:tc>
                 <a:extLst>
                   <a:ext uri="{0D108BD9-81ED-4DB2-BD59-A6C34878D82A}">
-                    <a16:rowId xmlns:a16="http://schemas.microsoft.com/office/drawing/2014/main" xmlns="" val="10002"/>
+                    <a16:rowId xmlns="" xmlns:a16="http://schemas.microsoft.com/office/drawing/2014/main" val="10002"/>
                   </a:ext>
                 </a:extLst>
               </a:tr>
@@ -6024,7 +6024,7 @@
                 </a:tc>
                 <a:extLst>
                   <a:ext uri="{0D108BD9-81ED-4DB2-BD59-A6C34878D82A}">
-                    <a16:rowId xmlns:a16="http://schemas.microsoft.com/office/drawing/2014/main" xmlns="" val="10003"/>
+                    <a16:rowId xmlns="" xmlns:a16="http://schemas.microsoft.com/office/drawing/2014/main" val="10003"/>
                   </a:ext>
                 </a:extLst>
               </a:tr>
@@ -6151,7 +6151,7 @@
                 </a:tc>
                 <a:extLst>
                   <a:ext uri="{0D108BD9-81ED-4DB2-BD59-A6C34878D82A}">
-                    <a16:rowId xmlns:a16="http://schemas.microsoft.com/office/drawing/2014/main" xmlns="" val="10005"/>
+                    <a16:rowId xmlns="" xmlns:a16="http://schemas.microsoft.com/office/drawing/2014/main" val="10005"/>
                   </a:ext>
                 </a:extLst>
               </a:tr>
@@ -6162,7 +6162,7 @@
     </p:spTree>
     <p:extLst>
       <p:ext uri="{BB962C8B-B14F-4D97-AF65-F5344CB8AC3E}">
-        <p14:creationId xmlns:p14="http://schemas.microsoft.com/office/powerpoint/2010/main" xmlns="" val="690457169"/>
+        <p14:creationId xmlns="" xmlns:p14="http://schemas.microsoft.com/office/powerpoint/2010/main" val="690457169"/>
       </p:ext>
     </p:extLst>
   </p:cSld>
@@ -6180,103 +6180,6 @@
 </file>
 
 <file path=ppt/slides/slide5.xml><?xml version="1.0" encoding="utf-8"?>
-<p:sld xmlns:a="http://schemas.openxmlformats.org/drawingml/2006/main" xmlns:r="http://schemas.openxmlformats.org/officeDocument/2006/relationships" xmlns:p="http://schemas.openxmlformats.org/presentationml/2006/main">
-  <p:cSld>
-    <p:spTree>
-      <p:nvGrpSpPr>
-        <p:cNvPr id="1" name=""/>
-        <p:cNvGrpSpPr/>
-        <p:nvPr/>
-      </p:nvGrpSpPr>
-      <p:grpSpPr>
-        <a:xfrm>
-          <a:off x="0" y="0"/>
-          <a:ext cx="0" cy="0"/>
-          <a:chOff x="0" y="0"/>
-          <a:chExt cx="0" cy="0"/>
-        </a:xfrm>
-      </p:grpSpPr>
-      <p:sp>
-        <p:nvSpPr>
-          <p:cNvPr id="2" name="Заголовок 1"/>
-          <p:cNvSpPr>
-            <a:spLocks noGrp="1"/>
-          </p:cNvSpPr>
-          <p:nvPr>
-            <p:ph type="title"/>
-          </p:nvPr>
-        </p:nvSpPr>
-        <p:spPr>
-          <a:xfrm>
-            <a:off x="727006" y="0"/>
-            <a:ext cx="10515600" cy="1325563"/>
-          </a:xfrm>
-        </p:spPr>
-        <p:txBody>
-          <a:bodyPr/>
-          <a:lstStyle/>
-          <a:p>
-            <a:r>
-              <a:rPr lang="uk-UA" dirty="0" smtClean="0">
-                <a:solidFill>
-                  <a:schemeClr val="bg1"/>
-                </a:solidFill>
-              </a:rPr>
-              <a:t>Діаграма залежностей типів</a:t>
-            </a:r>
-            <a:endParaRPr lang="ru-RU" dirty="0">
-              <a:solidFill>
-                <a:schemeClr val="bg1"/>
-              </a:solidFill>
-            </a:endParaRPr>
-          </a:p>
-        </p:txBody>
-      </p:sp>
-      <p:pic>
-        <p:nvPicPr>
-          <p:cNvPr id="6" name="Рисунок 5" descr="Dependencies Graph 4.png"/>
-          <p:cNvPicPr>
-            <a:picLocks noChangeAspect="1"/>
-          </p:cNvPicPr>
-          <p:nvPr/>
-        </p:nvPicPr>
-        <p:blipFill>
-          <a:blip r:embed="rId2" cstate="print"/>
-          <a:stretch>
-            <a:fillRect/>
-          </a:stretch>
-        </p:blipFill>
-        <p:spPr>
-          <a:xfrm>
-            <a:off x="0" y="1241296"/>
-            <a:ext cx="12192000" cy="5617552"/>
-          </a:xfrm>
-          <a:prstGeom prst="rect">
-            <a:avLst/>
-          </a:prstGeom>
-        </p:spPr>
-      </p:pic>
-    </p:spTree>
-    <p:extLst>
-      <p:ext uri="{BB962C8B-B14F-4D97-AF65-F5344CB8AC3E}">
-        <p14:creationId xmlns:p14="http://schemas.microsoft.com/office/powerpoint/2010/main" xmlns="" val="1093359983"/>
-      </p:ext>
-    </p:extLst>
-  </p:cSld>
-  <p:clrMapOvr>
-    <a:masterClrMapping/>
-  </p:clrMapOvr>
-  <p:timing>
-    <p:tnLst>
-      <p:par>
-        <p:cTn id="1" dur="indefinite" restart="never" nodeType="tmRoot"/>
-      </p:par>
-    </p:tnLst>
-  </p:timing>
-</p:sld>
-</file>
-
-<file path=ppt/slides/slide6.xml><?xml version="1.0" encoding="utf-8"?>
 <p:sld xmlns:a="http://schemas.openxmlformats.org/drawingml/2006/main" xmlns:r="http://schemas.openxmlformats.org/officeDocument/2006/relationships" xmlns:p="http://schemas.openxmlformats.org/presentationml/2006/main">
   <p:cSld>
     <p:bg>
@@ -6366,7 +6269,104 @@
     </p:spTree>
     <p:extLst>
       <p:ext uri="{BB962C8B-B14F-4D97-AF65-F5344CB8AC3E}">
-        <p14:creationId xmlns:p14="http://schemas.microsoft.com/office/powerpoint/2010/main" xmlns="" val="206256187"/>
+        <p14:creationId xmlns="" xmlns:p14="http://schemas.microsoft.com/office/powerpoint/2010/main" val="206256187"/>
+      </p:ext>
+    </p:extLst>
+  </p:cSld>
+  <p:clrMapOvr>
+    <a:masterClrMapping/>
+  </p:clrMapOvr>
+  <p:timing>
+    <p:tnLst>
+      <p:par>
+        <p:cTn id="1" dur="indefinite" restart="never" nodeType="tmRoot"/>
+      </p:par>
+    </p:tnLst>
+  </p:timing>
+</p:sld>
+</file>
+
+<file path=ppt/slides/slide6.xml><?xml version="1.0" encoding="utf-8"?>
+<p:sld xmlns:a="http://schemas.openxmlformats.org/drawingml/2006/main" xmlns:r="http://schemas.openxmlformats.org/officeDocument/2006/relationships" xmlns:p="http://schemas.openxmlformats.org/presentationml/2006/main">
+  <p:cSld>
+    <p:spTree>
+      <p:nvGrpSpPr>
+        <p:cNvPr id="1" name=""/>
+        <p:cNvGrpSpPr/>
+        <p:nvPr/>
+      </p:nvGrpSpPr>
+      <p:grpSpPr>
+        <a:xfrm>
+          <a:off x="0" y="0"/>
+          <a:ext cx="0" cy="0"/>
+          <a:chOff x="0" y="0"/>
+          <a:chExt cx="0" cy="0"/>
+        </a:xfrm>
+      </p:grpSpPr>
+      <p:sp>
+        <p:nvSpPr>
+          <p:cNvPr id="2" name="Заголовок 1"/>
+          <p:cNvSpPr>
+            <a:spLocks noGrp="1"/>
+          </p:cNvSpPr>
+          <p:nvPr>
+            <p:ph type="title"/>
+          </p:nvPr>
+        </p:nvSpPr>
+        <p:spPr>
+          <a:xfrm>
+            <a:off x="727006" y="0"/>
+            <a:ext cx="10515600" cy="1325563"/>
+          </a:xfrm>
+        </p:spPr>
+        <p:txBody>
+          <a:bodyPr/>
+          <a:lstStyle/>
+          <a:p>
+            <a:r>
+              <a:rPr lang="uk-UA" dirty="0" smtClean="0">
+                <a:solidFill>
+                  <a:schemeClr val="bg1"/>
+                </a:solidFill>
+              </a:rPr>
+              <a:t>Діаграма залежностей типів</a:t>
+            </a:r>
+            <a:endParaRPr lang="ru-RU" dirty="0">
+              <a:solidFill>
+                <a:schemeClr val="bg1"/>
+              </a:solidFill>
+            </a:endParaRPr>
+          </a:p>
+        </p:txBody>
+      </p:sp>
+      <p:pic>
+        <p:nvPicPr>
+          <p:cNvPr id="6" name="Рисунок 5" descr="Dependencies Graph 4.png"/>
+          <p:cNvPicPr>
+            <a:picLocks noChangeAspect="1"/>
+          </p:cNvPicPr>
+          <p:nvPr/>
+        </p:nvPicPr>
+        <p:blipFill>
+          <a:blip r:embed="rId2" cstate="print"/>
+          <a:stretch>
+            <a:fillRect/>
+          </a:stretch>
+        </p:blipFill>
+        <p:spPr>
+          <a:xfrm>
+            <a:off x="0" y="1241296"/>
+            <a:ext cx="12192000" cy="5617552"/>
+          </a:xfrm>
+          <a:prstGeom prst="rect">
+            <a:avLst/>
+          </a:prstGeom>
+        </p:spPr>
+      </p:pic>
+    </p:spTree>
+    <p:extLst>
+      <p:ext uri="{BB962C8B-B14F-4D97-AF65-F5344CB8AC3E}">
+        <p14:creationId xmlns="" xmlns:p14="http://schemas.microsoft.com/office/powerpoint/2010/main" val="1093359983"/>
       </p:ext>
     </p:extLst>
   </p:cSld>
@@ -7546,7 +7546,7 @@
     </p:spTree>
     <p:extLst>
       <p:ext uri="{BB962C8B-B14F-4D97-AF65-F5344CB8AC3E}">
-        <p14:creationId xmlns:p14="http://schemas.microsoft.com/office/powerpoint/2010/main" xmlns="" val="2223158303"/>
+        <p14:creationId xmlns="" xmlns:p14="http://schemas.microsoft.com/office/powerpoint/2010/main" val="2223158303"/>
       </p:ext>
     </p:extLst>
   </p:cSld>
@@ -7828,7 +7828,7 @@
     </p:spTree>
     <p:extLst>
       <p:ext uri="{BB962C8B-B14F-4D97-AF65-F5344CB8AC3E}">
-        <p14:creationId xmlns:p14="http://schemas.microsoft.com/office/powerpoint/2010/main" xmlns="" val="4052386969"/>
+        <p14:creationId xmlns="" xmlns:p14="http://schemas.microsoft.com/office/powerpoint/2010/main" val="4052386969"/>
       </p:ext>
     </p:extLst>
   </p:cSld>
@@ -8134,7 +8134,7 @@
   <a:extraClrSchemeLst/>
   <a:extLst>
     <a:ext uri="{05A4C25C-085E-4340-85A3-A5531E510DB2}">
-      <thm15:themeFamily xmlns:thm15="http://schemas.microsoft.com/office/thememl/2012/main" xmlns="" name="Office Theme" id="{62F939B6-93AF-4DB8-9C6B-D6C7DFDC589F}" vid="{4A3C46E8-61CC-4603-A589-7422A47A8E4A}"/>
+      <thm15:themeFamily xmlns="" xmlns:thm15="http://schemas.microsoft.com/office/thememl/2012/main" name="Office Theme" id="{62F939B6-93AF-4DB8-9C6B-D6C7DFDC589F}" vid="{4A3C46E8-61CC-4603-A589-7422A47A8E4A}"/>
     </a:ext>
   </a:extLst>
 </a:theme>
@@ -8395,7 +8395,7 @@
   <a:extraClrSchemeLst/>
   <a:extLst>
     <a:ext uri="{05A4C25C-085E-4340-85A3-A5531E510DB2}">
-      <thm15:themeFamily xmlns:thm15="http://schemas.microsoft.com/office/thememl/2012/main" xmlns="" name="Office Theme" id="{62F939B6-93AF-4DB8-9C6B-D6C7DFDC589F}" vid="{4A3C46E8-61CC-4603-A589-7422A47A8E4A}"/>
+      <thm15:themeFamily xmlns="" xmlns:thm15="http://schemas.microsoft.com/office/thememl/2012/main" name="Office Theme" id="{62F939B6-93AF-4DB8-9C6B-D6C7DFDC589F}" vid="{4A3C46E8-61CC-4603-A589-7422A47A8E4A}"/>
     </a:ext>
   </a:extLst>
 </a:theme>
@@ -8656,7 +8656,7 @@
   <a:extraClrSchemeLst/>
   <a:extLst>
     <a:ext uri="{05A4C25C-085E-4340-85A3-A5531E510DB2}">
-      <thm15:themeFamily xmlns:thm15="http://schemas.microsoft.com/office/thememl/2012/main" xmlns="" name="Office Theme" id="{62F939B6-93AF-4DB8-9C6B-D6C7DFDC589F}" vid="{4A3C46E8-61CC-4603-A589-7422A47A8E4A}"/>
+      <thm15:themeFamily xmlns="" xmlns:thm15="http://schemas.microsoft.com/office/thememl/2012/main" name="Office Theme" id="{62F939B6-93AF-4DB8-9C6B-D6C7DFDC589F}" vid="{4A3C46E8-61CC-4603-A589-7422A47A8E4A}"/>
     </a:ext>
   </a:extLst>
 </a:theme>
